--- a/交接注意事項.pptx
+++ b/交接注意事項.pptx
@@ -8,6 +8,7 @@
     <p:sldId id="257" r:id="rId2"/>
     <p:sldId id="259" r:id="rId3"/>
     <p:sldId id="260" r:id="rId4"/>
+    <p:sldId id="261" r:id="rId5"/>
   </p:sldIdLst>
   <p:sldSz cx="12192000" cy="6858000"/>
   <p:notesSz cx="6858000" cy="9144000"/>
@@ -261,7 +262,7 @@
           <a:p>
             <a:fld id="{884C6947-4811-2B44-837B-53D4B6865586}" type="datetimeFigureOut">
               <a:rPr kumimoji="1" lang="zh-TW" altLang="en-US" smtClean="0"/>
-              <a:t>2022/9/15</a:t>
+              <a:t>2022/9/19</a:t>
             </a:fld>
             <a:endParaRPr kumimoji="1" lang="zh-TW" altLang="en-US"/>
           </a:p>
@@ -459,7 +460,7 @@
           <a:p>
             <a:fld id="{884C6947-4811-2B44-837B-53D4B6865586}" type="datetimeFigureOut">
               <a:rPr kumimoji="1" lang="zh-TW" altLang="en-US" smtClean="0"/>
-              <a:t>2022/9/15</a:t>
+              <a:t>2022/9/19</a:t>
             </a:fld>
             <a:endParaRPr kumimoji="1" lang="zh-TW" altLang="en-US"/>
           </a:p>
@@ -667,7 +668,7 @@
           <a:p>
             <a:fld id="{884C6947-4811-2B44-837B-53D4B6865586}" type="datetimeFigureOut">
               <a:rPr kumimoji="1" lang="zh-TW" altLang="en-US" smtClean="0"/>
-              <a:t>2022/9/15</a:t>
+              <a:t>2022/9/19</a:t>
             </a:fld>
             <a:endParaRPr kumimoji="1" lang="zh-TW" altLang="en-US"/>
           </a:p>
@@ -865,7 +866,7 @@
           <a:p>
             <a:fld id="{884C6947-4811-2B44-837B-53D4B6865586}" type="datetimeFigureOut">
               <a:rPr kumimoji="1" lang="zh-TW" altLang="en-US" smtClean="0"/>
-              <a:t>2022/9/15</a:t>
+              <a:t>2022/9/19</a:t>
             </a:fld>
             <a:endParaRPr kumimoji="1" lang="zh-TW" altLang="en-US"/>
           </a:p>
@@ -1140,7 +1141,7 @@
           <a:p>
             <a:fld id="{884C6947-4811-2B44-837B-53D4B6865586}" type="datetimeFigureOut">
               <a:rPr kumimoji="1" lang="zh-TW" altLang="en-US" smtClean="0"/>
-              <a:t>2022/9/15</a:t>
+              <a:t>2022/9/19</a:t>
             </a:fld>
             <a:endParaRPr kumimoji="1" lang="zh-TW" altLang="en-US"/>
           </a:p>
@@ -1405,7 +1406,7 @@
           <a:p>
             <a:fld id="{884C6947-4811-2B44-837B-53D4B6865586}" type="datetimeFigureOut">
               <a:rPr kumimoji="1" lang="zh-TW" altLang="en-US" smtClean="0"/>
-              <a:t>2022/9/15</a:t>
+              <a:t>2022/9/19</a:t>
             </a:fld>
             <a:endParaRPr kumimoji="1" lang="zh-TW" altLang="en-US"/>
           </a:p>
@@ -1817,7 +1818,7 @@
           <a:p>
             <a:fld id="{884C6947-4811-2B44-837B-53D4B6865586}" type="datetimeFigureOut">
               <a:rPr kumimoji="1" lang="zh-TW" altLang="en-US" smtClean="0"/>
-              <a:t>2022/9/15</a:t>
+              <a:t>2022/9/19</a:t>
             </a:fld>
             <a:endParaRPr kumimoji="1" lang="zh-TW" altLang="en-US"/>
           </a:p>
@@ -1958,7 +1959,7 @@
           <a:p>
             <a:fld id="{884C6947-4811-2B44-837B-53D4B6865586}" type="datetimeFigureOut">
               <a:rPr kumimoji="1" lang="zh-TW" altLang="en-US" smtClean="0"/>
-              <a:t>2022/9/15</a:t>
+              <a:t>2022/9/19</a:t>
             </a:fld>
             <a:endParaRPr kumimoji="1" lang="zh-TW" altLang="en-US"/>
           </a:p>
@@ -2071,7 +2072,7 @@
           <a:p>
             <a:fld id="{884C6947-4811-2B44-837B-53D4B6865586}" type="datetimeFigureOut">
               <a:rPr kumimoji="1" lang="zh-TW" altLang="en-US" smtClean="0"/>
-              <a:t>2022/9/15</a:t>
+              <a:t>2022/9/19</a:t>
             </a:fld>
             <a:endParaRPr kumimoji="1" lang="zh-TW" altLang="en-US"/>
           </a:p>
@@ -2382,7 +2383,7 @@
           <a:p>
             <a:fld id="{884C6947-4811-2B44-837B-53D4B6865586}" type="datetimeFigureOut">
               <a:rPr kumimoji="1" lang="zh-TW" altLang="en-US" smtClean="0"/>
-              <a:t>2022/9/15</a:t>
+              <a:t>2022/9/19</a:t>
             </a:fld>
             <a:endParaRPr kumimoji="1" lang="zh-TW" altLang="en-US"/>
           </a:p>
@@ -2670,7 +2671,7 @@
           <a:p>
             <a:fld id="{884C6947-4811-2B44-837B-53D4B6865586}" type="datetimeFigureOut">
               <a:rPr kumimoji="1" lang="zh-TW" altLang="en-US" smtClean="0"/>
-              <a:t>2022/9/15</a:t>
+              <a:t>2022/9/19</a:t>
             </a:fld>
             <a:endParaRPr kumimoji="1" lang="zh-TW" altLang="en-US"/>
           </a:p>
@@ -2911,7 +2912,7 @@
           <a:p>
             <a:fld id="{884C6947-4811-2B44-837B-53D4B6865586}" type="datetimeFigureOut">
               <a:rPr kumimoji="1" lang="zh-TW" altLang="en-US" smtClean="0"/>
-              <a:t>2022/9/15</a:t>
+              <a:t>2022/9/19</a:t>
             </a:fld>
             <a:endParaRPr kumimoji="1" lang="zh-TW" altLang="en-US"/>
           </a:p>
@@ -4006,6 +4007,532 @@
 </p:sld>
 </file>
 
+<file path=ppt/slides/slide4.xml><?xml version="1.0" encoding="utf-8"?>
+<p:sld xmlns:a="http://schemas.openxmlformats.org/drawingml/2006/main" xmlns:r="http://schemas.openxmlformats.org/officeDocument/2006/relationships" xmlns:p="http://schemas.openxmlformats.org/presentationml/2006/main">
+  <p:cSld>
+    <p:spTree>
+      <p:nvGrpSpPr>
+        <p:cNvPr id="1" name=""/>
+        <p:cNvGrpSpPr/>
+        <p:nvPr/>
+      </p:nvGrpSpPr>
+      <p:grpSpPr>
+        <a:xfrm>
+          <a:off x="0" y="0"/>
+          <a:ext cx="0" cy="0"/>
+          <a:chOff x="0" y="0"/>
+          <a:chExt cx="0" cy="0"/>
+        </a:xfrm>
+      </p:grpSpPr>
+      <p:sp>
+        <p:nvSpPr>
+          <p:cNvPr id="2" name="標題 1">
+            <a:extLst>
+              <a:ext uri="{FF2B5EF4-FFF2-40B4-BE49-F238E27FC236}">
+                <a16:creationId xmlns:a16="http://schemas.microsoft.com/office/drawing/2014/main" id="{558456A9-08D3-505D-42E4-D754E352BFEC}"/>
+              </a:ext>
+            </a:extLst>
+          </p:cNvPr>
+          <p:cNvSpPr>
+            <a:spLocks noGrp="1"/>
+          </p:cNvSpPr>
+          <p:nvPr>
+            <p:ph type="title"/>
+          </p:nvPr>
+        </p:nvSpPr>
+        <p:spPr/>
+        <p:txBody>
+          <a:bodyPr/>
+          <a:lstStyle/>
+          <a:p>
+            <a:r>
+              <a:rPr lang="en-US" altLang="zh-TW" dirty="0"/>
+              <a:t>SGD-Net</a:t>
+            </a:r>
+            <a:endParaRPr kumimoji="1" lang="zh-TW" altLang="en-US" dirty="0"/>
+          </a:p>
+        </p:txBody>
+      </p:sp>
+      <p:sp>
+        <p:nvSpPr>
+          <p:cNvPr id="3" name="內容版面配置區 2">
+            <a:extLst>
+              <a:ext uri="{FF2B5EF4-FFF2-40B4-BE49-F238E27FC236}">
+                <a16:creationId xmlns:a16="http://schemas.microsoft.com/office/drawing/2014/main" id="{91E118EA-1CC7-59D3-5FE6-60FE0F8994EB}"/>
+              </a:ext>
+            </a:extLst>
+          </p:cNvPr>
+          <p:cNvSpPr>
+            <a:spLocks noGrp="1"/>
+          </p:cNvSpPr>
+          <p:nvPr>
+            <p:ph idx="1"/>
+          </p:nvPr>
+        </p:nvSpPr>
+        <p:spPr/>
+        <p:txBody>
+          <a:bodyPr>
+            <a:normAutofit fontScale="47500" lnSpcReduction="20000"/>
+          </a:bodyPr>
+          <a:lstStyle/>
+          <a:p>
+            <a:r>
+              <a:rPr lang="en-US" altLang="zh-TW" dirty="0"/>
+              <a:t>Clone: (</a:t>
+            </a:r>
+            <a:r>
+              <a:rPr lang="zh-TW" altLang="zh-TW" dirty="0"/>
+              <a:t>需要安裝</a:t>
+            </a:r>
+            <a:r>
+              <a:rPr lang="en-US" altLang="zh-TW" dirty="0"/>
+              <a:t>Git)</a:t>
+            </a:r>
+            <a:endParaRPr lang="zh-TW" altLang="zh-TW" dirty="0"/>
+          </a:p>
+          <a:p>
+            <a:pPr lvl="0"/>
+            <a:r>
+              <a:rPr lang="en-US" altLang="zh-TW" dirty="0"/>
+              <a:t>Git clone </a:t>
+            </a:r>
+            <a:r>
+              <a:rPr lang="en-US" altLang="zh-TW" u="sng" dirty="0">
+                <a:hlinkClick r:id="rId2"/>
+              </a:rPr>
+              <a:t>https://github.com/IlikeBB/SGD-Net.git</a:t>
+            </a:r>
+            <a:endParaRPr lang="zh-TW" altLang="zh-TW" dirty="0"/>
+          </a:p>
+          <a:p>
+            <a:pPr lvl="0"/>
+            <a:r>
+              <a:rPr lang="zh-TW" altLang="zh-TW" dirty="0"/>
+              <a:t>正常訓練下會需要修改的檔案：</a:t>
+            </a:r>
+          </a:p>
+          <a:p>
+            <a:pPr lvl="1"/>
+            <a:r>
+              <a:rPr lang="en-US" altLang="zh-TW" dirty="0"/>
+              <a:t>utils/model_S1.yaml, utils/</a:t>
+            </a:r>
+            <a:r>
+              <a:rPr lang="en-US" altLang="zh-TW" dirty="0" err="1"/>
+              <a:t>model_NL.yaml</a:t>
+            </a:r>
+            <a:r>
+              <a:rPr lang="en-US" altLang="zh-TW" dirty="0"/>
+              <a:t>, utils/</a:t>
+            </a:r>
+            <a:r>
+              <a:rPr lang="en-US" altLang="zh-TW" dirty="0" err="1"/>
+              <a:t>model_AP.yaml</a:t>
+            </a:r>
+            <a:endParaRPr lang="zh-TW" altLang="zh-TW" dirty="0"/>
+          </a:p>
+          <a:p>
+            <a:pPr lvl="2"/>
+            <a:r>
+              <a:rPr lang="zh-TW" altLang="zh-TW" dirty="0"/>
+              <a:t>修改</a:t>
+            </a:r>
+            <a:r>
+              <a:rPr lang="en-US" altLang="zh-TW" dirty="0"/>
+              <a:t>MRI</a:t>
+            </a:r>
+            <a:r>
+              <a:rPr lang="zh-TW" altLang="zh-TW" dirty="0"/>
+              <a:t>的檔案位置</a:t>
+            </a:r>
+          </a:p>
+          <a:p>
+            <a:pPr lvl="2"/>
+            <a:r>
+              <a:rPr lang="zh-TW" altLang="zh-TW" dirty="0"/>
+              <a:t>確定所有</a:t>
+            </a:r>
+            <a:r>
+              <a:rPr lang="en-US" altLang="zh-TW" dirty="0" err="1"/>
+              <a:t>dicom</a:t>
+            </a:r>
+            <a:r>
+              <a:rPr lang="zh-TW" altLang="zh-TW" dirty="0"/>
+              <a:t>資料都轉成</a:t>
+            </a:r>
+            <a:r>
+              <a:rPr lang="en-US" altLang="zh-TW" dirty="0" err="1"/>
+              <a:t>nii</a:t>
+            </a:r>
+            <a:r>
+              <a:rPr lang="zh-TW" altLang="zh-TW" dirty="0"/>
+              <a:t>格式，並且使用</a:t>
+            </a:r>
+            <a:r>
+              <a:rPr lang="en-US" altLang="zh-TW" dirty="0" err="1"/>
+              <a:t>nii</a:t>
+            </a:r>
+            <a:r>
+              <a:rPr lang="en-US" altLang="zh-TW" dirty="0"/>
+              <a:t> data </a:t>
+            </a:r>
+            <a:r>
+              <a:rPr lang="en-US" altLang="zh-TW" dirty="0" err="1"/>
+              <a:t>loading.ipynb</a:t>
+            </a:r>
+            <a:r>
+              <a:rPr lang="zh-TW" altLang="zh-TW" dirty="0"/>
+              <a:t>檔案轉換範例，將</a:t>
+            </a:r>
+            <a:r>
+              <a:rPr lang="en-US" altLang="zh-TW" dirty="0" err="1"/>
+              <a:t>nii</a:t>
+            </a:r>
+            <a:r>
+              <a:rPr lang="zh-TW" altLang="zh-TW" dirty="0"/>
+              <a:t>轉成</a:t>
+            </a:r>
+            <a:r>
+              <a:rPr lang="en-US" altLang="zh-TW" dirty="0" err="1"/>
+              <a:t>numpy</a:t>
+            </a:r>
+            <a:r>
+              <a:rPr lang="zh-TW" altLang="zh-TW" dirty="0"/>
+              <a:t>格式。</a:t>
+            </a:r>
+          </a:p>
+          <a:p>
+            <a:pPr lvl="2"/>
+            <a:r>
+              <a:rPr lang="en-US" altLang="zh-TW" dirty="0"/>
+              <a:t>S1</a:t>
+            </a:r>
+            <a:r>
+              <a:rPr lang="zh-TW" altLang="zh-TW" dirty="0"/>
+              <a:t>訓練階段會需要四組不同的資料：</a:t>
+            </a:r>
+          </a:p>
+          <a:p>
+            <a:pPr lvl="3"/>
+            <a:r>
+              <a:rPr lang="zh-TW" altLang="zh-TW" dirty="0"/>
+              <a:t>分別有</a:t>
+            </a:r>
+            <a:r>
+              <a:rPr lang="en-US" altLang="zh-TW" dirty="0"/>
+              <a:t>Train</a:t>
+            </a:r>
+            <a:r>
+              <a:rPr lang="zh-TW" altLang="zh-TW" dirty="0"/>
+              <a:t>的</a:t>
+            </a:r>
+            <a:r>
+              <a:rPr lang="en-US" altLang="zh-TW" dirty="0"/>
+              <a:t>MRI </a:t>
+            </a:r>
+            <a:r>
+              <a:rPr lang="en-US" altLang="zh-TW" dirty="0" err="1"/>
+              <a:t>numpy</a:t>
+            </a:r>
+            <a:r>
+              <a:rPr lang="zh-TW" altLang="zh-TW" dirty="0"/>
+              <a:t>和</a:t>
+            </a:r>
+            <a:r>
+              <a:rPr lang="en-US" altLang="zh-TW" dirty="0"/>
+              <a:t>mask </a:t>
+            </a:r>
+            <a:r>
+              <a:rPr lang="en-US" altLang="zh-TW" dirty="0" err="1"/>
+              <a:t>numpy</a:t>
+            </a:r>
+            <a:endParaRPr lang="zh-TW" altLang="zh-TW" dirty="0"/>
+          </a:p>
+          <a:p>
+            <a:pPr lvl="3"/>
+            <a:r>
+              <a:rPr lang="zh-TW" altLang="zh-TW" dirty="0"/>
+              <a:t>分別有</a:t>
+            </a:r>
+            <a:r>
+              <a:rPr lang="en-US" altLang="zh-TW" dirty="0"/>
+              <a:t>Valid</a:t>
+            </a:r>
+            <a:r>
+              <a:rPr lang="zh-TW" altLang="zh-TW" dirty="0"/>
+              <a:t>的</a:t>
+            </a:r>
+            <a:r>
+              <a:rPr lang="en-US" altLang="zh-TW" dirty="0"/>
+              <a:t>MRI </a:t>
+            </a:r>
+            <a:r>
+              <a:rPr lang="en-US" altLang="zh-TW" dirty="0" err="1"/>
+              <a:t>numpy</a:t>
+            </a:r>
+            <a:r>
+              <a:rPr lang="zh-TW" altLang="zh-TW" dirty="0"/>
+              <a:t>和</a:t>
+            </a:r>
+            <a:r>
+              <a:rPr lang="en-US" altLang="zh-TW" dirty="0"/>
+              <a:t>mask </a:t>
+            </a:r>
+            <a:r>
+              <a:rPr lang="en-US" altLang="zh-TW" dirty="0" err="1"/>
+              <a:t>numpy</a:t>
+            </a:r>
+            <a:endParaRPr lang="zh-TW" altLang="zh-TW" dirty="0"/>
+          </a:p>
+          <a:p>
+            <a:r>
+              <a:rPr lang="en-US" altLang="zh-TW" dirty="0"/>
+              <a:t> </a:t>
+            </a:r>
+            <a:endParaRPr lang="zh-TW" altLang="zh-TW" dirty="0"/>
+          </a:p>
+          <a:p>
+            <a:pPr lvl="1"/>
+            <a:r>
+              <a:rPr lang="zh-TW" altLang="zh-TW" dirty="0"/>
+              <a:t>創建</a:t>
+            </a:r>
+            <a:r>
+              <a:rPr lang="en-US" altLang="zh-TW" dirty="0" err="1"/>
+              <a:t>numpy</a:t>
+            </a:r>
+            <a:r>
+              <a:rPr lang="zh-TW" altLang="zh-TW" dirty="0"/>
+              <a:t>給模型讀取時，需確定原始的</a:t>
+            </a:r>
+            <a:r>
+              <a:rPr lang="en-US" altLang="zh-TW" dirty="0" err="1"/>
+              <a:t>nii</a:t>
+            </a:r>
+            <a:r>
+              <a:rPr lang="zh-TW" altLang="zh-TW" dirty="0"/>
+              <a:t>檔案要有</a:t>
+            </a:r>
+            <a:r>
+              <a:rPr lang="en-US" altLang="zh-TW" dirty="0" err="1"/>
+              <a:t>DWI.nii</a:t>
+            </a:r>
+            <a:r>
+              <a:rPr lang="zh-TW" altLang="zh-TW" dirty="0"/>
+              <a:t>和</a:t>
+            </a:r>
+            <a:r>
+              <a:rPr lang="en-US" altLang="zh-TW" dirty="0" err="1"/>
+              <a:t>Mask.nii</a:t>
+            </a:r>
+            <a:r>
+              <a:rPr lang="zh-TW" altLang="zh-TW" dirty="0"/>
+              <a:t>兩種不同類型的資料，</a:t>
+            </a:r>
+            <a:r>
+              <a:rPr lang="en-US" altLang="zh-TW" dirty="0" err="1"/>
+              <a:t>Mask.nii</a:t>
+            </a:r>
+            <a:r>
+              <a:rPr lang="zh-TW" altLang="zh-TW" dirty="0"/>
+              <a:t>為醫師在</a:t>
+            </a:r>
+            <a:r>
+              <a:rPr lang="en-US" altLang="zh-TW" dirty="0"/>
+              <a:t>DWI</a:t>
+            </a:r>
+            <a:r>
+              <a:rPr lang="zh-TW" altLang="zh-TW" dirty="0"/>
+              <a:t>原始影像上做中風區域標記後轉存的檔案：</a:t>
+            </a:r>
+          </a:p>
+          <a:p>
+            <a:pPr lvl="2"/>
+            <a:r>
+              <a:rPr lang="en-US" altLang="zh-TW" dirty="0"/>
+              <a:t>Python 02.S2_AP_Training.py </a:t>
+            </a:r>
+            <a:r>
+              <a:rPr lang="zh-TW" altLang="zh-TW" dirty="0"/>
+              <a:t>裡有兩種不同範例：</a:t>
+            </a:r>
+          </a:p>
+          <a:p>
+            <a:pPr lvl="3"/>
+            <a:r>
+              <a:rPr lang="zh-TW" altLang="zh-TW" dirty="0"/>
+              <a:t>一個是將</a:t>
+            </a:r>
+            <a:r>
+              <a:rPr lang="en-US" altLang="zh-TW" dirty="0" err="1"/>
+              <a:t>nii</a:t>
+            </a:r>
+            <a:r>
+              <a:rPr lang="zh-TW" altLang="zh-TW" dirty="0"/>
+              <a:t>轉成</a:t>
+            </a:r>
+            <a:r>
+              <a:rPr lang="en-US" altLang="zh-TW" dirty="0" err="1"/>
+              <a:t>numpy</a:t>
+            </a:r>
+            <a:r>
+              <a:rPr lang="zh-TW" altLang="zh-TW" dirty="0"/>
+              <a:t>的範例</a:t>
+            </a:r>
+          </a:p>
+          <a:p>
+            <a:pPr lvl="3"/>
+            <a:r>
+              <a:rPr lang="zh-TW" altLang="zh-TW" dirty="0"/>
+              <a:t>一個是產生假資料</a:t>
+            </a:r>
+            <a:r>
+              <a:rPr lang="en-US" altLang="zh-TW" dirty="0"/>
+              <a:t>(</a:t>
+            </a:r>
+            <a:r>
+              <a:rPr lang="en-US" altLang="zh-TW" dirty="0" err="1"/>
+              <a:t>numpy</a:t>
+            </a:r>
+            <a:r>
+              <a:rPr lang="en-US" altLang="zh-TW" dirty="0"/>
+              <a:t> random)</a:t>
+            </a:r>
+            <a:r>
+              <a:rPr lang="zh-TW" altLang="zh-TW" dirty="0"/>
+              <a:t>的範例</a:t>
+            </a:r>
+          </a:p>
+          <a:p>
+            <a:r>
+              <a:rPr lang="en-US" altLang="zh-TW" dirty="0"/>
+              <a:t> </a:t>
+            </a:r>
+            <a:endParaRPr lang="zh-TW" altLang="zh-TW" dirty="0"/>
+          </a:p>
+          <a:p>
+            <a:pPr lvl="1"/>
+            <a:r>
+              <a:rPr lang="zh-TW" altLang="zh-TW" dirty="0"/>
+              <a:t>如需要修改模型可以到對應的</a:t>
+            </a:r>
+            <a:r>
+              <a:rPr lang="en-US" altLang="zh-TW" dirty="0" err="1"/>
+              <a:t>yaml</a:t>
+            </a:r>
+            <a:r>
+              <a:rPr lang="zh-TW" altLang="zh-TW" dirty="0"/>
+              <a:t>的</a:t>
+            </a:r>
+            <a:r>
+              <a:rPr lang="en-US" altLang="zh-TW" dirty="0" err="1"/>
+              <a:t>model_name</a:t>
+            </a:r>
+            <a:r>
+              <a:rPr lang="zh-TW" altLang="zh-TW" dirty="0"/>
+              <a:t>修改</a:t>
+            </a:r>
+          </a:p>
+          <a:p>
+            <a:pPr lvl="2"/>
+            <a:r>
+              <a:rPr lang="en-US" altLang="zh-TW" dirty="0" err="1"/>
+              <a:t>E.g</a:t>
+            </a:r>
+            <a:r>
+              <a:rPr lang="en-US" altLang="zh-TW" dirty="0"/>
+              <a:t>: </a:t>
+            </a:r>
+            <a:r>
+              <a:rPr lang="en-US" altLang="zh-TW" dirty="0" err="1"/>
+              <a:t>model_name</a:t>
+            </a:r>
+            <a:r>
+              <a:rPr lang="en-US" altLang="zh-TW" dirty="0"/>
+              <a:t>: 3DResnet18 -&gt; </a:t>
+            </a:r>
+            <a:r>
+              <a:rPr lang="en-US" altLang="zh-TW" dirty="0" err="1"/>
+              <a:t>model_name</a:t>
+            </a:r>
+            <a:r>
+              <a:rPr lang="en-US" altLang="zh-TW" dirty="0"/>
+              <a:t>: 3DResnet50</a:t>
+            </a:r>
+            <a:endParaRPr lang="zh-TW" altLang="zh-TW" dirty="0"/>
+          </a:p>
+          <a:p>
+            <a:r>
+              <a:rPr lang="en-US" altLang="zh-TW" dirty="0"/>
+              <a:t> </a:t>
+            </a:r>
+            <a:endParaRPr lang="zh-TW" altLang="zh-TW" dirty="0"/>
+          </a:p>
+          <a:p>
+            <a:pPr lvl="1"/>
+            <a:r>
+              <a:rPr lang="zh-TW" altLang="zh-TW" dirty="0"/>
+              <a:t>確認所有用於訓練</a:t>
+            </a:r>
+            <a:r>
+              <a:rPr lang="en-US" altLang="zh-TW" dirty="0"/>
+              <a:t>(train)</a:t>
+            </a:r>
+            <a:r>
+              <a:rPr lang="zh-TW" altLang="zh-TW" dirty="0"/>
+              <a:t>和驗證</a:t>
+            </a:r>
+            <a:r>
+              <a:rPr lang="en-US" altLang="zh-TW" dirty="0"/>
+              <a:t>(valid)</a:t>
+            </a:r>
+            <a:r>
+              <a:rPr lang="zh-TW" altLang="zh-TW" dirty="0"/>
+              <a:t>的檔案都放妥後，視需求執行：</a:t>
+            </a:r>
+          </a:p>
+          <a:p>
+            <a:pPr lvl="2"/>
+            <a:r>
+              <a:rPr lang="en-US" altLang="zh-TW" dirty="0"/>
+              <a:t>Python 01.S1_Training.py</a:t>
+            </a:r>
+            <a:endParaRPr lang="zh-TW" altLang="zh-TW" dirty="0"/>
+          </a:p>
+          <a:p>
+            <a:pPr lvl="2"/>
+            <a:r>
+              <a:rPr lang="en-US" altLang="zh-TW" dirty="0"/>
+              <a:t>Python 02.S2_AP_Training.py</a:t>
+            </a:r>
+            <a:endParaRPr lang="zh-TW" altLang="zh-TW" dirty="0"/>
+          </a:p>
+          <a:p>
+            <a:pPr lvl="2"/>
+            <a:r>
+              <a:rPr lang="en-US" altLang="zh-TW" dirty="0"/>
+              <a:t>Python 02.S2_NL_Training.py</a:t>
+            </a:r>
+            <a:endParaRPr lang="zh-TW" altLang="zh-TW" dirty="0"/>
+          </a:p>
+          <a:p>
+            <a:endParaRPr kumimoji="1" lang="zh-TW" altLang="en-US" dirty="0"/>
+          </a:p>
+        </p:txBody>
+      </p:sp>
+    </p:spTree>
+    <p:extLst>
+      <p:ext uri="{BB962C8B-B14F-4D97-AF65-F5344CB8AC3E}">
+        <p14:creationId xmlns:p14="http://schemas.microsoft.com/office/powerpoint/2010/main" val="1210717447"/>
+      </p:ext>
+    </p:extLst>
+  </p:cSld>
+  <p:clrMapOvr>
+    <a:masterClrMapping/>
+  </p:clrMapOvr>
+</p:sld>
+</file>
+
 <file path=ppt/theme/theme1.xml><?xml version="1.0" encoding="utf-8"?>
 <a:theme xmlns:a="http://schemas.openxmlformats.org/drawingml/2006/main" name="Office 佈景主題">
   <a:themeElements>

--- a/交接注意事項.pptx
+++ b/交接注意事項.pptx
@@ -6,8 +6,9 @@
   </p:sldMasterIdLst>
   <p:sldIdLst>
     <p:sldId id="257" r:id="rId2"/>
-    <p:sldId id="259" r:id="rId3"/>
-    <p:sldId id="258" r:id="rId4"/>
+    <p:sldId id="260" r:id="rId3"/>
+    <p:sldId id="259" r:id="rId4"/>
+    <p:sldId id="258" r:id="rId5"/>
   </p:sldIdLst>
   <p:sldSz cx="12192000" cy="6858000"/>
   <p:notesSz cx="6858000" cy="9144000"/>
@@ -106,6 +107,11 @@
       </a:defRPr>
     </a:lvl9pPr>
   </p:defaultTextStyle>
+  <p:extLst>
+    <p:ext uri="{EFAFB233-063F-42B5-8137-9DF3F51BA10A}">
+      <p15:sldGuideLst xmlns:p15="http://schemas.microsoft.com/office/powerpoint/2012/main"/>
+    </p:ext>
+  </p:extLst>
 </p:presentation>
 </file>
 
@@ -3516,6 +3522,163 @@
           <p:cNvPr id="2" name="標題 1">
             <a:extLst>
               <a:ext uri="{FF2B5EF4-FFF2-40B4-BE49-F238E27FC236}">
+                <a16:creationId xmlns:a16="http://schemas.microsoft.com/office/drawing/2014/main" id="{567A8DB8-E5B2-8973-474E-653F43D726B1}"/>
+              </a:ext>
+            </a:extLst>
+          </p:cNvPr>
+          <p:cNvSpPr>
+            <a:spLocks noGrp="1"/>
+          </p:cNvSpPr>
+          <p:nvPr>
+            <p:ph type="title"/>
+          </p:nvPr>
+        </p:nvSpPr>
+        <p:spPr/>
+        <p:txBody>
+          <a:bodyPr/>
+          <a:lstStyle/>
+          <a:p>
+            <a:r>
+              <a:rPr kumimoji="1" lang="zh-TW" altLang="en-US" dirty="0"/>
+              <a:t>資料存放位置</a:t>
+            </a:r>
+          </a:p>
+        </p:txBody>
+      </p:sp>
+      <p:sp>
+        <p:nvSpPr>
+          <p:cNvPr id="3" name="內容版面配置區 2">
+            <a:extLst>
+              <a:ext uri="{FF2B5EF4-FFF2-40B4-BE49-F238E27FC236}">
+                <a16:creationId xmlns:a16="http://schemas.microsoft.com/office/drawing/2014/main" id="{FCC79178-D385-5FD0-3E34-40F01F6B06D8}"/>
+              </a:ext>
+            </a:extLst>
+          </p:cNvPr>
+          <p:cNvSpPr>
+            <a:spLocks noGrp="1"/>
+          </p:cNvSpPr>
+          <p:nvPr>
+            <p:ph idx="1"/>
+          </p:nvPr>
+        </p:nvSpPr>
+        <p:spPr/>
+        <p:txBody>
+          <a:bodyPr/>
+          <a:lstStyle/>
+          <a:p>
+            <a:r>
+              <a:rPr kumimoji="1" lang="en-US" altLang="zh-TW" dirty="0"/>
+              <a:t>/home/john/Network/</a:t>
+            </a:r>
+          </a:p>
+          <a:p>
+            <a:pPr lvl="1"/>
+            <a:r>
+              <a:rPr kumimoji="1" lang="zh-TW" altLang="en-US" dirty="0"/>
+              <a:t>常用資料與常用模型存方區域</a:t>
+            </a:r>
+            <a:endParaRPr kumimoji="1" lang="en-US" altLang="zh-TW" dirty="0"/>
+          </a:p>
+          <a:p>
+            <a:pPr lvl="1"/>
+            <a:endParaRPr kumimoji="1" lang="en-US" altLang="zh-TW" dirty="0"/>
+          </a:p>
+          <a:p>
+            <a:r>
+              <a:rPr kumimoji="1" lang="en-US" altLang="zh-TW" dirty="0"/>
+              <a:t>/ssd1/</a:t>
+            </a:r>
+          </a:p>
+          <a:p>
+            <a:pPr lvl="1"/>
+            <a:r>
+              <a:rPr kumimoji="1" lang="zh-TW" altLang="en-US" dirty="0"/>
+              <a:t>用於備份已完成或是未完成</a:t>
+            </a:r>
+            <a:r>
+              <a:rPr kumimoji="1" lang="en-US" altLang="zh-TW" dirty="0"/>
+              <a:t>Project</a:t>
+            </a:r>
+          </a:p>
+          <a:p>
+            <a:pPr lvl="1"/>
+            <a:endParaRPr kumimoji="1" lang="en-US" altLang="zh-TW" dirty="0"/>
+          </a:p>
+          <a:p>
+            <a:r>
+              <a:rPr kumimoji="1" lang="zh-TW" altLang="en-US" dirty="0"/>
+              <a:t>外接硬碟</a:t>
+            </a:r>
+            <a:r>
+              <a:rPr kumimoji="1" lang="en-US" altLang="zh-TW" dirty="0"/>
+              <a:t>: </a:t>
+            </a:r>
+            <a:r>
+              <a:rPr kumimoji="1" lang="en-US" altLang="zh-TW" dirty="0" err="1"/>
+              <a:t>CGRDDataset</a:t>
+            </a:r>
+            <a:r>
+              <a:rPr kumimoji="1" lang="en-US" altLang="zh-TW" dirty="0"/>
+              <a:t>/</a:t>
+            </a:r>
+          </a:p>
+          <a:p>
+            <a:pPr lvl="1"/>
+            <a:r>
+              <a:rPr kumimoji="1" lang="zh-TW" altLang="en-US" dirty="0"/>
+              <a:t>用於備份大型</a:t>
+            </a:r>
+            <a:r>
+              <a:rPr kumimoji="1" lang="en-US" altLang="zh-TW" dirty="0"/>
+              <a:t>Dataset</a:t>
+            </a:r>
+            <a:r>
+              <a:rPr kumimoji="1" lang="zh-TW" altLang="en-US" dirty="0"/>
+              <a:t>以及模型結果檔</a:t>
+            </a:r>
+            <a:r>
+              <a:rPr kumimoji="1" lang="en-US" altLang="zh-TW"/>
+              <a:t>(checkpoint)</a:t>
+            </a:r>
+            <a:endParaRPr kumimoji="1" lang="en-US" altLang="zh-TW" dirty="0"/>
+          </a:p>
+        </p:txBody>
+      </p:sp>
+    </p:spTree>
+    <p:extLst>
+      <p:ext uri="{BB962C8B-B14F-4D97-AF65-F5344CB8AC3E}">
+        <p14:creationId xmlns:p14="http://schemas.microsoft.com/office/powerpoint/2010/main" val="2091730709"/>
+      </p:ext>
+    </p:extLst>
+  </p:cSld>
+  <p:clrMapOvr>
+    <a:masterClrMapping/>
+  </p:clrMapOvr>
+</p:sld>
+</file>
+
+<file path=ppt/slides/slide3.xml><?xml version="1.0" encoding="utf-8"?>
+<p:sld xmlns:a="http://schemas.openxmlformats.org/drawingml/2006/main" xmlns:r="http://schemas.openxmlformats.org/officeDocument/2006/relationships" xmlns:p="http://schemas.openxmlformats.org/presentationml/2006/main">
+  <p:cSld>
+    <p:spTree>
+      <p:nvGrpSpPr>
+        <p:cNvPr id="1" name=""/>
+        <p:cNvGrpSpPr/>
+        <p:nvPr/>
+      </p:nvGrpSpPr>
+      <p:grpSpPr>
+        <a:xfrm>
+          <a:off x="0" y="0"/>
+          <a:ext cx="0" cy="0"/>
+          <a:chOff x="0" y="0"/>
+          <a:chExt cx="0" cy="0"/>
+        </a:xfrm>
+      </p:grpSpPr>
+      <p:sp>
+        <p:nvSpPr>
+          <p:cNvPr id="2" name="標題 1">
+            <a:extLst>
+              <a:ext uri="{FF2B5EF4-FFF2-40B4-BE49-F238E27FC236}">
                 <a16:creationId xmlns:a16="http://schemas.microsoft.com/office/drawing/2014/main" id="{3BB03942-3B3F-03A5-7367-BBA2F2E2565E}"/>
               </a:ext>
             </a:extLst>
@@ -3696,7 +3859,7 @@
 </p:sld>
 </file>
 
-<file path=ppt/slides/slide3.xml><?xml version="1.0" encoding="utf-8"?>
+<file path=ppt/slides/slide4.xml><?xml version="1.0" encoding="utf-8"?>
 <p:sld xmlns:a="http://schemas.openxmlformats.org/drawingml/2006/main" xmlns:r="http://schemas.openxmlformats.org/officeDocument/2006/relationships" xmlns:p="http://schemas.openxmlformats.org/presentationml/2006/main">
   <p:cSld>
     <p:spTree>

--- a/交接注意事項.pptx
+++ b/交接注意事項.pptx
@@ -3637,10 +3637,9 @@
               <a:t>以及模型結果檔</a:t>
             </a:r>
             <a:r>
-              <a:rPr kumimoji="1" lang="en-US" altLang="zh-TW"/>
+              <a:rPr kumimoji="1" lang="en-US" altLang="zh-TW" dirty="0"/>
               <a:t>(checkpoint)</a:t>
             </a:r>
-            <a:endParaRPr kumimoji="1" lang="en-US" altLang="zh-TW" dirty="0"/>
           </a:p>
         </p:txBody>
       </p:sp>

--- a/交接注意事項.pptx
+++ b/交接注意事項.pptx
@@ -7,8 +7,9 @@
   <p:sldIdLst>
     <p:sldId id="257" r:id="rId2"/>
     <p:sldId id="260" r:id="rId3"/>
-    <p:sldId id="259" r:id="rId4"/>
-    <p:sldId id="258" r:id="rId5"/>
+    <p:sldId id="261" r:id="rId4"/>
+    <p:sldId id="259" r:id="rId5"/>
+    <p:sldId id="258" r:id="rId6"/>
   </p:sldIdLst>
   <p:sldSz cx="12192000" cy="6858000"/>
   <p:notesSz cx="6858000" cy="9144000"/>
@@ -3678,6 +3679,181 @@
           <p:cNvPr id="2" name="標題 1">
             <a:extLst>
               <a:ext uri="{FF2B5EF4-FFF2-40B4-BE49-F238E27FC236}">
+                <a16:creationId xmlns:a16="http://schemas.microsoft.com/office/drawing/2014/main" id="{5B67631C-36AD-B59E-7CED-3D3C4C826C3A}"/>
+              </a:ext>
+            </a:extLst>
+          </p:cNvPr>
+          <p:cNvSpPr>
+            <a:spLocks noGrp="1"/>
+          </p:cNvSpPr>
+          <p:nvPr>
+            <p:ph type="title"/>
+          </p:nvPr>
+        </p:nvSpPr>
+        <p:spPr/>
+        <p:txBody>
+          <a:bodyPr/>
+          <a:lstStyle/>
+          <a:p>
+            <a:r>
+              <a:rPr kumimoji="1" lang="en-US" altLang="zh-TW" dirty="0"/>
+              <a:t>CUDA</a:t>
+            </a:r>
+            <a:endParaRPr kumimoji="1" lang="zh-TW" altLang="en-US" dirty="0"/>
+          </a:p>
+        </p:txBody>
+      </p:sp>
+      <p:sp>
+        <p:nvSpPr>
+          <p:cNvPr id="3" name="內容版面配置區 2">
+            <a:extLst>
+              <a:ext uri="{FF2B5EF4-FFF2-40B4-BE49-F238E27FC236}">
+                <a16:creationId xmlns:a16="http://schemas.microsoft.com/office/drawing/2014/main" id="{A352BDE4-2739-B921-1AEE-2BB7C166A7DD}"/>
+              </a:ext>
+            </a:extLst>
+          </p:cNvPr>
+          <p:cNvSpPr>
+            <a:spLocks noGrp="1"/>
+          </p:cNvSpPr>
+          <p:nvPr>
+            <p:ph idx="1"/>
+          </p:nvPr>
+        </p:nvSpPr>
+        <p:spPr/>
+        <p:txBody>
+          <a:bodyPr>
+            <a:normAutofit/>
+          </a:bodyPr>
+          <a:lstStyle/>
+          <a:p>
+            <a:r>
+              <a:rPr kumimoji="1" lang="zh-TW" altLang="en-US" sz="2000" dirty="0"/>
+              <a:t>如要使用</a:t>
+            </a:r>
+            <a:r>
+              <a:rPr kumimoji="1" lang="en-US" altLang="zh-TW" sz="2000" dirty="0"/>
+              <a:t>GPU Training</a:t>
+            </a:r>
+            <a:r>
+              <a:rPr kumimoji="1" lang="zh-TW" altLang="en-US" sz="2000" dirty="0"/>
+              <a:t> 請確定</a:t>
+            </a:r>
+            <a:r>
+              <a:rPr kumimoji="1" lang="en-US" altLang="zh-TW" sz="2000" dirty="0"/>
+              <a:t>CUDA, </a:t>
+            </a:r>
+            <a:r>
+              <a:rPr kumimoji="1" lang="en-US" altLang="zh-TW" sz="2000" dirty="0" err="1"/>
+              <a:t>cudnn</a:t>
+            </a:r>
+            <a:r>
+              <a:rPr kumimoji="1" lang="en-US" altLang="zh-TW" sz="2000" dirty="0"/>
+              <a:t>, </a:t>
+            </a:r>
+            <a:r>
+              <a:rPr kumimoji="1" lang="en-US" altLang="zh-TW" sz="2000" dirty="0" err="1"/>
+              <a:t>nvidia</a:t>
+            </a:r>
+            <a:r>
+              <a:rPr kumimoji="1" lang="en-US" altLang="zh-TW" sz="2000" dirty="0"/>
+              <a:t>-driver</a:t>
+            </a:r>
+            <a:r>
+              <a:rPr kumimoji="1" lang="zh-TW" altLang="en-US" sz="2000" dirty="0"/>
+              <a:t>有正確安裝。</a:t>
+            </a:r>
+            <a:endParaRPr kumimoji="1" lang="en-US" altLang="zh-TW" sz="2000" dirty="0"/>
+          </a:p>
+          <a:p>
+            <a:pPr lvl="1"/>
+            <a:r>
+              <a:rPr kumimoji="1" lang="en-US" altLang="zh-TW" sz="1600" dirty="0" err="1"/>
+              <a:t>winodws</a:t>
+            </a:r>
+            <a:r>
+              <a:rPr kumimoji="1" lang="zh-TW" altLang="en-US" sz="1600" dirty="0"/>
+              <a:t>詳細請參考</a:t>
+            </a:r>
+            <a:r>
+              <a:rPr kumimoji="1" lang="en-US" altLang="zh-TW" sz="1600" dirty="0"/>
+              <a:t> </a:t>
+            </a:r>
+            <a:r>
+              <a:rPr kumimoji="1" lang="en-US" altLang="zh-TW" sz="1600" dirty="0">
+                <a:hlinkClick r:id="rId2"/>
+              </a:rPr>
+              <a:t>https://zhuanlan.zhihu.com/p/165445046</a:t>
+            </a:r>
+            <a:endParaRPr kumimoji="1" lang="en-US" altLang="zh-TW" sz="1600" dirty="0"/>
+          </a:p>
+          <a:p>
+            <a:pPr lvl="1"/>
+            <a:r>
+              <a:rPr kumimoji="1" lang="en-US" altLang="zh-TW" sz="1600" dirty="0"/>
+              <a:t>Linux</a:t>
+            </a:r>
+            <a:r>
+              <a:rPr kumimoji="1" lang="zh-TW" altLang="en-US" sz="1600" dirty="0"/>
+              <a:t>詳細請參考 </a:t>
+            </a:r>
+            <a:r>
+              <a:rPr kumimoji="1" lang="en" altLang="zh-TW" sz="1600" dirty="0">
+                <a:hlinkClick r:id="rId3"/>
+              </a:rPr>
+              <a:t>https://mikethreeacer.medium.com/ubuntu-18-04-%E5%AE%89%E8%A3%9D-cuda-cudnn-anaconda-pytorch-1f170b3326a4</a:t>
+            </a:r>
+            <a:endParaRPr kumimoji="1" lang="en" altLang="zh-TW" sz="1600" dirty="0"/>
+          </a:p>
+          <a:p>
+            <a:pPr lvl="1"/>
+            <a:endParaRPr kumimoji="1" lang="en" altLang="zh-TW" sz="1600" dirty="0"/>
+          </a:p>
+          <a:p>
+            <a:endParaRPr kumimoji="1" lang="en-US" altLang="zh-TW" sz="2000" dirty="0"/>
+          </a:p>
+          <a:p>
+            <a:endParaRPr kumimoji="1" lang="en-US" altLang="zh-TW" sz="2000" dirty="0"/>
+          </a:p>
+          <a:p>
+            <a:endParaRPr kumimoji="1" lang="en-US" altLang="zh-TW" sz="2000" dirty="0"/>
+          </a:p>
+        </p:txBody>
+      </p:sp>
+    </p:spTree>
+    <p:extLst>
+      <p:ext uri="{BB962C8B-B14F-4D97-AF65-F5344CB8AC3E}">
+        <p14:creationId xmlns:p14="http://schemas.microsoft.com/office/powerpoint/2010/main" val="3586167381"/>
+      </p:ext>
+    </p:extLst>
+  </p:cSld>
+  <p:clrMapOvr>
+    <a:masterClrMapping/>
+  </p:clrMapOvr>
+</p:sld>
+</file>
+
+<file path=ppt/slides/slide4.xml><?xml version="1.0" encoding="utf-8"?>
+<p:sld xmlns:a="http://schemas.openxmlformats.org/drawingml/2006/main" xmlns:r="http://schemas.openxmlformats.org/officeDocument/2006/relationships" xmlns:p="http://schemas.openxmlformats.org/presentationml/2006/main">
+  <p:cSld>
+    <p:spTree>
+      <p:nvGrpSpPr>
+        <p:cNvPr id="1" name=""/>
+        <p:cNvGrpSpPr/>
+        <p:nvPr/>
+      </p:nvGrpSpPr>
+      <p:grpSpPr>
+        <a:xfrm>
+          <a:off x="0" y="0"/>
+          <a:ext cx="0" cy="0"/>
+          <a:chOff x="0" y="0"/>
+          <a:chExt cx="0" cy="0"/>
+        </a:xfrm>
+      </p:grpSpPr>
+      <p:sp>
+        <p:nvSpPr>
+          <p:cNvPr id="2" name="標題 1">
+            <a:extLst>
+              <a:ext uri="{FF2B5EF4-FFF2-40B4-BE49-F238E27FC236}">
                 <a16:creationId xmlns:a16="http://schemas.microsoft.com/office/drawing/2014/main" id="{3BB03942-3B3F-03A5-7367-BBA2F2E2565E}"/>
               </a:ext>
             </a:extLst>
@@ -3858,7 +4034,7 @@
 </p:sld>
 </file>
 
-<file path=ppt/slides/slide4.xml><?xml version="1.0" encoding="utf-8"?>
+<file path=ppt/slides/slide5.xml><?xml version="1.0" encoding="utf-8"?>
 <p:sld xmlns:a="http://schemas.openxmlformats.org/drawingml/2006/main" xmlns:r="http://schemas.openxmlformats.org/officeDocument/2006/relationships" xmlns:p="http://schemas.openxmlformats.org/presentationml/2006/main">
   <p:cSld>
     <p:spTree>

--- a/交接注意事項.pptx
+++ b/交接注意事項.pptx
@@ -4377,11 +4377,63 @@
             <a:pPr lvl="2"/>
             <a:r>
               <a:rPr lang="en-US" altLang="zh-TW" dirty="0"/>
-              <a:t>Python 02.S2_AP_Training.py </a:t>
+              <a:t>Python </a:t>
+            </a:r>
+            <a:r>
+              <a:rPr lang="en-US" altLang="zh-TW" dirty="0" err="1"/>
+              <a:t>nii</a:t>
+            </a:r>
+            <a:r>
+              <a:rPr lang="en-US" altLang="zh-TW" dirty="0"/>
+              <a:t> data </a:t>
+            </a:r>
+            <a:r>
+              <a:rPr lang="en-US" altLang="zh-TW" dirty="0" err="1"/>
+              <a:t>loading.ipynb</a:t>
+            </a:r>
+            <a:r>
+              <a:rPr lang="en-US" altLang="zh-TW" dirty="0"/>
+              <a:t> </a:t>
             </a:r>
             <a:r>
               <a:rPr lang="zh-TW" altLang="zh-TW" dirty="0"/>
-              <a:t>裡有兩種不同範例：</a:t>
+              <a:t>裡有兩種不同範例</a:t>
+            </a:r>
+            <a:r>
+              <a:rPr lang="en-US" altLang="zh-TW" dirty="0"/>
+              <a:t> (</a:t>
+            </a:r>
+            <a:r>
+              <a:rPr lang="en-US" altLang="zh-TW" dirty="0" err="1"/>
+              <a:t>nii</a:t>
+            </a:r>
+            <a:r>
+              <a:rPr lang="en-US" altLang="zh-TW" dirty="0"/>
+              <a:t> </a:t>
+            </a:r>
+            <a:r>
+              <a:rPr lang="zh-TW" altLang="en-US" dirty="0"/>
+              <a:t>轉</a:t>
+            </a:r>
+            <a:r>
+              <a:rPr lang="en-US" altLang="zh-TW" dirty="0"/>
+              <a:t> </a:t>
+            </a:r>
+            <a:r>
+              <a:rPr lang="en-US" altLang="zh-TW" dirty="0" err="1"/>
+              <a:t>dicom</a:t>
+            </a:r>
+            <a:r>
+              <a:rPr lang="zh-TW" altLang="en-US" dirty="0"/>
+              <a:t>需改成迴圈運行，範例只能轉換一個</a:t>
+            </a:r>
+            <a:r>
+              <a:rPr lang="en-US" altLang="zh-TW" dirty="0"/>
+              <a:t>)</a:t>
+            </a:r>
+            <a:r>
+              <a:rPr lang="zh-TW" altLang="zh-TW" dirty="0"/>
+              <a:t>：</a:t>
             </a:r>
           </a:p>
           <a:p>
